--- a/Prezentace/1. ročník/older/PPT/PGM_20.pptx
+++ b/Prezentace/1. ročník/older/PPT/PGM_20.pptx
@@ -866,7 +866,7 @@
             <a:fld id="{B61BEF0D-F0BB-DE4B-95CE-6DB70DBA9567}" type="datetimeFigureOut">
               <a:rPr lang="en-US" dirty="0"/>
               <a:pPr/>
-              <a:t>4/18/2021</a:t>
+              <a:t>2/18/2025</a:t>
             </a:fld>
             <a:endParaRPr lang="en-US" dirty="0"/>
           </a:p>
@@ -1114,7 +1114,7 @@
             <a:fld id="{B61BEF0D-F0BB-DE4B-95CE-6DB70DBA9567}" type="datetimeFigureOut">
               <a:rPr lang="en-US" dirty="0"/>
               <a:pPr/>
-              <a:t>4/18/2021</a:t>
+              <a:t>2/18/2025</a:t>
             </a:fld>
             <a:endParaRPr lang="en-US" dirty="0"/>
           </a:p>
@@ -1425,7 +1425,7 @@
             <a:fld id="{B61BEF0D-F0BB-DE4B-95CE-6DB70DBA9567}" type="datetimeFigureOut">
               <a:rPr lang="en-US" dirty="0"/>
               <a:pPr/>
-              <a:t>4/18/2021</a:t>
+              <a:t>2/18/2025</a:t>
             </a:fld>
             <a:endParaRPr lang="en-US" dirty="0"/>
           </a:p>
@@ -1755,7 +1755,7 @@
             <a:fld id="{B61BEF0D-F0BB-DE4B-95CE-6DB70DBA9567}" type="datetimeFigureOut">
               <a:rPr lang="en-US" dirty="0"/>
               <a:pPr/>
-              <a:t>4/18/2021</a:t>
+              <a:t>2/18/2025</a:t>
             </a:fld>
             <a:endParaRPr lang="en-US" dirty="0"/>
           </a:p>
@@ -2066,7 +2066,7 @@
             <a:fld id="{B61BEF0D-F0BB-DE4B-95CE-6DB70DBA9567}" type="datetimeFigureOut">
               <a:rPr lang="en-US" dirty="0"/>
               <a:pPr/>
-              <a:t>4/18/2021</a:t>
+              <a:t>2/18/2025</a:t>
             </a:fld>
             <a:endParaRPr lang="en-US" dirty="0"/>
           </a:p>
@@ -2456,7 +2456,7 @@
             <a:fld id="{B61BEF0D-F0BB-DE4B-95CE-6DB70DBA9567}" type="datetimeFigureOut">
               <a:rPr lang="en-US" dirty="0"/>
               <a:pPr/>
-              <a:t>4/18/2021</a:t>
+              <a:t>2/18/2025</a:t>
             </a:fld>
             <a:endParaRPr lang="en-US" dirty="0"/>
           </a:p>
@@ -2622,7 +2622,7 @@
           <a:p>
             <a:fld id="{55C6B4A9-1611-4792-9094-5F34BCA07E0B}" type="datetimeFigureOut">
               <a:rPr lang="en-US" dirty="0"/>
-              <a:t>4/18/2021</a:t>
+              <a:t>2/18/2025</a:t>
             </a:fld>
             <a:endParaRPr lang="en-US" dirty="0"/>
           </a:p>
@@ -2798,7 +2798,7 @@
             <a:fld id="{B61BEF0D-F0BB-DE4B-95CE-6DB70DBA9567}" type="datetimeFigureOut">
               <a:rPr lang="en-US" dirty="0"/>
               <a:pPr/>
-              <a:t>4/18/2021</a:t>
+              <a:t>2/18/2025</a:t>
             </a:fld>
             <a:endParaRPr lang="en-US" dirty="0"/>
           </a:p>
@@ -2964,7 +2964,7 @@
           <a:p>
             <a:fld id="{42A54C80-263E-416B-A8E0-580EDEADCBDC}" type="datetimeFigureOut">
               <a:rPr lang="en-US" dirty="0"/>
-              <a:t>4/18/2021</a:t>
+              <a:t>2/18/2025</a:t>
             </a:fld>
             <a:endParaRPr lang="en-US" dirty="0"/>
           </a:p>
@@ -3207,7 +3207,7 @@
             <a:fld id="{B61BEF0D-F0BB-DE4B-95CE-6DB70DBA9567}" type="datetimeFigureOut">
               <a:rPr lang="en-US" dirty="0"/>
               <a:pPr/>
-              <a:t>4/18/2021</a:t>
+              <a:t>2/18/2025</a:t>
             </a:fld>
             <a:endParaRPr lang="en-US" dirty="0"/>
           </a:p>
@@ -3435,7 +3435,7 @@
           <a:p>
             <a:fld id="{42A54C80-263E-416B-A8E0-580EDEADCBDC}" type="datetimeFigureOut">
               <a:rPr lang="en-US" dirty="0"/>
-              <a:t>4/18/2021</a:t>
+              <a:t>2/18/2025</a:t>
             </a:fld>
             <a:endParaRPr lang="en-US" dirty="0"/>
           </a:p>
@@ -3805,7 +3805,7 @@
             <a:fld id="{B61BEF0D-F0BB-DE4B-95CE-6DB70DBA9567}" type="datetimeFigureOut">
               <a:rPr lang="en-US" dirty="0"/>
               <a:pPr/>
-              <a:t>4/18/2021</a:t>
+              <a:t>2/18/2025</a:t>
             </a:fld>
             <a:endParaRPr lang="en-US" dirty="0"/>
           </a:p>
@@ -3925,7 +3925,7 @@
             <a:fld id="{B61BEF0D-F0BB-DE4B-95CE-6DB70DBA9567}" type="datetimeFigureOut">
               <a:rPr lang="en-US" dirty="0"/>
               <a:pPr/>
-              <a:t>4/18/2021</a:t>
+              <a:t>2/18/2025</a:t>
             </a:fld>
             <a:endParaRPr lang="en-US" dirty="0"/>
           </a:p>
@@ -4017,7 +4017,7 @@
             <a:fld id="{B61BEF0D-F0BB-DE4B-95CE-6DB70DBA9567}" type="datetimeFigureOut">
               <a:rPr lang="en-US" dirty="0"/>
               <a:pPr/>
-              <a:t>4/18/2021</a:t>
+              <a:t>2/18/2025</a:t>
             </a:fld>
             <a:endParaRPr lang="en-US" dirty="0"/>
           </a:p>
@@ -4268,7 +4268,7 @@
           <a:p>
             <a:fld id="{42A54C80-263E-416B-A8E0-580EDEADCBDC}" type="datetimeFigureOut">
               <a:rPr lang="en-US" dirty="0"/>
-              <a:t>4/18/2021</a:t>
+              <a:t>2/18/2025</a:t>
             </a:fld>
             <a:endParaRPr lang="en-US" dirty="0"/>
           </a:p>
@@ -4570,7 +4570,7 @@
             <a:fld id="{B61BEF0D-F0BB-DE4B-95CE-6DB70DBA9567}" type="datetimeFigureOut">
               <a:rPr lang="en-US" dirty="0"/>
               <a:pPr/>
-              <a:t>4/18/2021</a:t>
+              <a:t>2/18/2025</a:t>
             </a:fld>
             <a:endParaRPr lang="en-US" dirty="0"/>
           </a:p>
@@ -5268,7 +5268,7 @@
             <a:fld id="{B61BEF0D-F0BB-DE4B-95CE-6DB70DBA9567}" type="datetimeFigureOut">
               <a:rPr lang="en-US" dirty="0"/>
               <a:pPr/>
-              <a:t>4/18/2021</a:t>
+              <a:t>2/18/2025</a:t>
             </a:fld>
             <a:endParaRPr lang="en-US" dirty="0"/>
           </a:p>
@@ -5896,7 +5896,7 @@
                 <a16:creationId xmlns:a16="http://schemas.microsoft.com/office/drawing/2014/main" id="{45B71F80-1F92-4074-84D9-16A062B215B3}"/>
               </a:ext>
               <a:ext uri="{C183D7F6-B498-43B3-948B-1728B52AA6E4}">
-                <adec:decorative xmlns:adec="http://schemas.microsoft.com/office/drawing/2017/decorative" val="1"/>
+                <adec:decorative xmlns:adec="http://schemas.microsoft.com/office/drawing/2017/decorative" xmlns="" val="1"/>
               </a:ext>
             </a:extLst>
           </p:cNvPr>
@@ -5991,7 +5991,7 @@
                 <a16:creationId xmlns:a16="http://schemas.microsoft.com/office/drawing/2014/main" id="{7209C9DA-6E0D-46D9-8275-C52222D8CCAC}"/>
               </a:ext>
               <a:ext uri="{C183D7F6-B498-43B3-948B-1728B52AA6E4}">
-                <adec:decorative xmlns:adec="http://schemas.microsoft.com/office/drawing/2017/decorative" val="1"/>
+                <adec:decorative xmlns:adec="http://schemas.microsoft.com/office/drawing/2017/decorative" xmlns="" val="1"/>
               </a:ext>
             </a:extLst>
           </p:cNvPr>
@@ -6049,7 +6049,7 @@
                 <a16:creationId xmlns:a16="http://schemas.microsoft.com/office/drawing/2014/main" id="{3EB57A4D-E0D0-46DA-B339-F24CA46FA70B}"/>
               </a:ext>
               <a:ext uri="{C183D7F6-B498-43B3-948B-1728B52AA6E4}">
-                <adec:decorative xmlns:adec="http://schemas.microsoft.com/office/drawing/2017/decorative" val="1"/>
+                <adec:decorative xmlns:adec="http://schemas.microsoft.com/office/drawing/2017/decorative" xmlns="" val="1"/>
               </a:ext>
             </a:extLst>
           </p:cNvPr>
@@ -6115,7 +6115,7 @@
             <p:ph idx="1"/>
             <p:extLst>
               <p:ext uri="{D42A27DB-BD31-4B8C-83A1-F6EECF244321}">
-                <p14:modId xmlns:p14="http://schemas.microsoft.com/office/powerpoint/2010/main" val="3843865387"/>
+                <p14:modId xmlns:p14="http://schemas.microsoft.com/office/powerpoint/2010/main" val="3774629551"/>
               </p:ext>
             </p:extLst>
           </p:nvPr>
@@ -6392,10 +6392,10 @@
                     <a:p>
                       <a:pPr algn="ctr"/>
                       <a:r>
-                        <a:rPr lang="cs-CZ" sz="2000" b="0" err="1"/>
-                        <a:t>TextChange</a:t>
+                        <a:rPr lang="cs-CZ" sz="2000" b="0" dirty="0" err="1" smtClean="0"/>
+                        <a:t>TextChanged</a:t>
                       </a:r>
-                      <a:endParaRPr lang="cs-CZ" sz="2000" b="0"/>
+                      <a:endParaRPr lang="cs-CZ" sz="2000" b="0" dirty="0"/>
                     </a:p>
                   </a:txBody>
                   <a:tcPr marL="102305" marR="102305" marT="51152" marB="51152" anchor="ctr"/>
